--- a/프로젝트 발표.pptx
+++ b/프로젝트 발표.pptx
@@ -5,7 +5,7 @@
     <p:sldMasterId id="2147483648" r:id="rId1"/>
   </p:sldMasterIdLst>
   <p:notesMasterIdLst>
-    <p:notesMasterId r:id="rId17"/>
+    <p:notesMasterId r:id="rId18"/>
   </p:notesMasterIdLst>
   <p:sldIdLst>
     <p:sldId id="256" r:id="rId2"/>
@@ -23,6 +23,7 @@
     <p:sldId id="263" r:id="rId14"/>
     <p:sldId id="268" r:id="rId15"/>
     <p:sldId id="271" r:id="rId16"/>
+    <p:sldId id="272" r:id="rId17"/>
   </p:sldIdLst>
   <p:sldSz cx="12192000" cy="6858000"/>
   <p:notesSz cx="6858000" cy="9144000"/>
@@ -121,6 +122,11 @@
       </a:defRPr>
     </a:lvl9pPr>
   </p:defaultTextStyle>
+  <p:extLst>
+    <p:ext uri="{EFAFB233-063F-42B5-8137-9DF3F51BA10A}">
+      <p15:sldGuideLst xmlns:p15="http://schemas.microsoft.com/office/powerpoint/2012/main"/>
+    </p:ext>
+  </p:extLst>
 </p:presentation>
 </file>
 
@@ -206,7 +212,7 @@
           <a:p>
             <a:fld id="{6DC7D3D4-4CD4-4CC8-BE8A-08D164BDD568}" type="datetimeFigureOut">
               <a:rPr lang="ko-KR" altLang="en-US" smtClean="0"/>
-              <a:t>2020-11-24</a:t>
+              <a:t>2020-11-25</a:t>
             </a:fld>
             <a:endParaRPr lang="ko-KR" altLang="en-US"/>
           </a:p>
@@ -721,7 +727,7 @@
           <a:p>
             <a:fld id="{6DD34AD8-CA90-4F4D-9AD4-28B5DE66CBDA}" type="datetimeFigureOut">
               <a:rPr lang="ko-KR" altLang="en-US" smtClean="0"/>
-              <a:t>2020-11-24</a:t>
+              <a:t>2020-11-25</a:t>
             </a:fld>
             <a:endParaRPr lang="ko-KR" altLang="en-US"/>
           </a:p>
@@ -891,7 +897,7 @@
           <a:p>
             <a:fld id="{6DD34AD8-CA90-4F4D-9AD4-28B5DE66CBDA}" type="datetimeFigureOut">
               <a:rPr lang="ko-KR" altLang="en-US" smtClean="0"/>
-              <a:t>2020-11-24</a:t>
+              <a:t>2020-11-25</a:t>
             </a:fld>
             <a:endParaRPr lang="ko-KR" altLang="en-US"/>
           </a:p>
@@ -1071,7 +1077,7 @@
           <a:p>
             <a:fld id="{6DD34AD8-CA90-4F4D-9AD4-28B5DE66CBDA}" type="datetimeFigureOut">
               <a:rPr lang="ko-KR" altLang="en-US" smtClean="0"/>
-              <a:t>2020-11-24</a:t>
+              <a:t>2020-11-25</a:t>
             </a:fld>
             <a:endParaRPr lang="ko-KR" altLang="en-US"/>
           </a:p>
@@ -1241,7 +1247,7 @@
           <a:p>
             <a:fld id="{6DD34AD8-CA90-4F4D-9AD4-28B5DE66CBDA}" type="datetimeFigureOut">
               <a:rPr lang="ko-KR" altLang="en-US" smtClean="0"/>
-              <a:t>2020-11-24</a:t>
+              <a:t>2020-11-25</a:t>
             </a:fld>
             <a:endParaRPr lang="ko-KR" altLang="en-US"/>
           </a:p>
@@ -1487,7 +1493,7 @@
           <a:p>
             <a:fld id="{6DD34AD8-CA90-4F4D-9AD4-28B5DE66CBDA}" type="datetimeFigureOut">
               <a:rPr lang="ko-KR" altLang="en-US" smtClean="0"/>
-              <a:t>2020-11-24</a:t>
+              <a:t>2020-11-25</a:t>
             </a:fld>
             <a:endParaRPr lang="ko-KR" altLang="en-US"/>
           </a:p>
@@ -1719,7 +1725,7 @@
           <a:p>
             <a:fld id="{6DD34AD8-CA90-4F4D-9AD4-28B5DE66CBDA}" type="datetimeFigureOut">
               <a:rPr lang="ko-KR" altLang="en-US" smtClean="0"/>
-              <a:t>2020-11-24</a:t>
+              <a:t>2020-11-25</a:t>
             </a:fld>
             <a:endParaRPr lang="ko-KR" altLang="en-US"/>
           </a:p>
@@ -2086,7 +2092,7 @@
           <a:p>
             <a:fld id="{6DD34AD8-CA90-4F4D-9AD4-28B5DE66CBDA}" type="datetimeFigureOut">
               <a:rPr lang="ko-KR" altLang="en-US" smtClean="0"/>
-              <a:t>2020-11-24</a:t>
+              <a:t>2020-11-25</a:t>
             </a:fld>
             <a:endParaRPr lang="ko-KR" altLang="en-US"/>
           </a:p>
@@ -2204,7 +2210,7 @@
           <a:p>
             <a:fld id="{6DD34AD8-CA90-4F4D-9AD4-28B5DE66CBDA}" type="datetimeFigureOut">
               <a:rPr lang="ko-KR" altLang="en-US" smtClean="0"/>
-              <a:t>2020-11-24</a:t>
+              <a:t>2020-11-25</a:t>
             </a:fld>
             <a:endParaRPr lang="ko-KR" altLang="en-US"/>
           </a:p>
@@ -2299,7 +2305,7 @@
           <a:p>
             <a:fld id="{6DD34AD8-CA90-4F4D-9AD4-28B5DE66CBDA}" type="datetimeFigureOut">
               <a:rPr lang="ko-KR" altLang="en-US" smtClean="0"/>
-              <a:t>2020-11-24</a:t>
+              <a:t>2020-11-25</a:t>
             </a:fld>
             <a:endParaRPr lang="ko-KR" altLang="en-US"/>
           </a:p>
@@ -2576,7 +2582,7 @@
           <a:p>
             <a:fld id="{6DD34AD8-CA90-4F4D-9AD4-28B5DE66CBDA}" type="datetimeFigureOut">
               <a:rPr lang="ko-KR" altLang="en-US" smtClean="0"/>
-              <a:t>2020-11-24</a:t>
+              <a:t>2020-11-25</a:t>
             </a:fld>
             <a:endParaRPr lang="ko-KR" altLang="en-US"/>
           </a:p>
@@ -2829,7 +2835,7 @@
           <a:p>
             <a:fld id="{6DD34AD8-CA90-4F4D-9AD4-28B5DE66CBDA}" type="datetimeFigureOut">
               <a:rPr lang="ko-KR" altLang="en-US" smtClean="0"/>
-              <a:t>2020-11-24</a:t>
+              <a:t>2020-11-25</a:t>
             </a:fld>
             <a:endParaRPr lang="ko-KR" altLang="en-US"/>
           </a:p>
@@ -3042,7 +3048,7 @@
           <a:p>
             <a:fld id="{6DD34AD8-CA90-4F4D-9AD4-28B5DE66CBDA}" type="datetimeFigureOut">
               <a:rPr lang="ko-KR" altLang="en-US" smtClean="0"/>
-              <a:t>2020-11-24</a:t>
+              <a:t>2020-11-25</a:t>
             </a:fld>
             <a:endParaRPr lang="ko-KR" altLang="en-US"/>
           </a:p>
@@ -5978,7 +5984,7 @@
       </p:grpSpPr>
       <p:pic>
         <p:nvPicPr>
-          <p:cNvPr id="5" name="그림 4"/>
+          <p:cNvPr id="7" name="그림 6"/>
           <p:cNvPicPr>
             <a:picLocks noChangeAspect="1"/>
           </p:cNvPicPr>
@@ -5998,7 +6004,7 @@
         </p:blipFill>
         <p:spPr>
           <a:xfrm>
-            <a:off x="0" y="3577594"/>
+            <a:off x="4086863" y="3560131"/>
             <a:ext cx="4373874" cy="3280406"/>
           </a:xfrm>
           <a:prstGeom prst="rect">
@@ -6008,7 +6014,7 @@
       </p:pic>
       <p:pic>
         <p:nvPicPr>
-          <p:cNvPr id="8" name="그림 7"/>
+          <p:cNvPr id="5" name="그림 4"/>
           <p:cNvPicPr>
             <a:picLocks noChangeAspect="1"/>
           </p:cNvPicPr>
@@ -6028,7 +6034,7 @@
         </p:blipFill>
         <p:spPr>
           <a:xfrm>
-            <a:off x="3909063" y="3577594"/>
+            <a:off x="0" y="3577594"/>
             <a:ext cx="4373874" cy="3280406"/>
           </a:xfrm>
           <a:prstGeom prst="rect">
@@ -6128,7 +6134,7 @@
       </p:pic>
       <p:pic>
         <p:nvPicPr>
-          <p:cNvPr id="7" name="그림 6"/>
+          <p:cNvPr id="8" name="그림 7"/>
           <p:cNvPicPr>
             <a:picLocks noChangeAspect="1"/>
           </p:cNvPicPr>
@@ -6148,7 +6154,7 @@
         </p:blipFill>
         <p:spPr>
           <a:xfrm>
-            <a:off x="7818126" y="-1582"/>
+            <a:off x="7856229" y="25887"/>
             <a:ext cx="4373874" cy="3280406"/>
           </a:xfrm>
           <a:prstGeom prst="rect">
@@ -6160,6 +6166,223 @@
     <p:extLst>
       <p:ext uri="{BB962C8B-B14F-4D97-AF65-F5344CB8AC3E}">
         <p14:creationId xmlns:p14="http://schemas.microsoft.com/office/powerpoint/2010/main" val="2570846853"/>
+      </p:ext>
+    </p:extLst>
+  </p:cSld>
+  <p:clrMapOvr>
+    <a:masterClrMapping/>
+  </p:clrMapOvr>
+  <p:timing>
+    <p:tnLst>
+      <p:par>
+        <p:cTn id="1" dur="indefinite" restart="never" nodeType="tmRoot"/>
+      </p:par>
+    </p:tnLst>
+  </p:timing>
+</p:sld>
+</file>
+
+<file path=ppt/slides/slide16.xml><?xml version="1.0" encoding="utf-8"?>
+<p:sld xmlns:a="http://schemas.openxmlformats.org/drawingml/2006/main" xmlns:r="http://schemas.openxmlformats.org/officeDocument/2006/relationships" xmlns:p="http://schemas.openxmlformats.org/presentationml/2006/main">
+  <p:cSld>
+    <p:spTree>
+      <p:nvGrpSpPr>
+        <p:cNvPr id="1" name=""/>
+        <p:cNvGrpSpPr/>
+        <p:nvPr/>
+      </p:nvGrpSpPr>
+      <p:grpSpPr>
+        <a:xfrm>
+          <a:off x="0" y="0"/>
+          <a:ext cx="0" cy="0"/>
+          <a:chOff x="0" y="0"/>
+          <a:chExt cx="0" cy="0"/>
+        </a:xfrm>
+      </p:grpSpPr>
+      <p:pic>
+        <p:nvPicPr>
+          <p:cNvPr id="4" name="그림 3"/>
+          <p:cNvPicPr>
+            <a:picLocks noChangeAspect="1"/>
+          </p:cNvPicPr>
+          <p:nvPr/>
+        </p:nvPicPr>
+        <p:blipFill>
+          <a:blip r:embed="rId2">
+            <a:extLst>
+              <a:ext uri="{28A0092B-C50C-407E-A947-70E740481C1C}">
+                <a14:useLocalDpi xmlns:a14="http://schemas.microsoft.com/office/drawing/2010/main" val="0"/>
+              </a:ext>
+            </a:extLst>
+          </a:blip>
+          <a:stretch>
+            <a:fillRect/>
+          </a:stretch>
+        </p:blipFill>
+        <p:spPr>
+          <a:xfrm>
+            <a:off x="3820160" y="0"/>
+            <a:ext cx="4490720" cy="3368040"/>
+          </a:xfrm>
+          <a:prstGeom prst="rect">
+            <a:avLst/>
+          </a:prstGeom>
+        </p:spPr>
+      </p:pic>
+      <p:pic>
+        <p:nvPicPr>
+          <p:cNvPr id="5" name="그림 4"/>
+          <p:cNvPicPr>
+            <a:picLocks noChangeAspect="1"/>
+          </p:cNvPicPr>
+          <p:nvPr/>
+        </p:nvPicPr>
+        <p:blipFill>
+          <a:blip r:embed="rId3">
+            <a:extLst>
+              <a:ext uri="{28A0092B-C50C-407E-A947-70E740481C1C}">
+                <a14:useLocalDpi xmlns:a14="http://schemas.microsoft.com/office/drawing/2010/main" val="0"/>
+              </a:ext>
+            </a:extLst>
+          </a:blip>
+          <a:stretch>
+            <a:fillRect/>
+          </a:stretch>
+        </p:blipFill>
+        <p:spPr>
+          <a:xfrm>
+            <a:off x="7701280" y="3368040"/>
+            <a:ext cx="4490720" cy="3368040"/>
+          </a:xfrm>
+          <a:prstGeom prst="rect">
+            <a:avLst/>
+          </a:prstGeom>
+        </p:spPr>
+      </p:pic>
+      <p:pic>
+        <p:nvPicPr>
+          <p:cNvPr id="6" name="그림 5"/>
+          <p:cNvPicPr>
+            <a:picLocks noChangeAspect="1"/>
+          </p:cNvPicPr>
+          <p:nvPr/>
+        </p:nvPicPr>
+        <p:blipFill>
+          <a:blip r:embed="rId4">
+            <a:extLst>
+              <a:ext uri="{28A0092B-C50C-407E-A947-70E740481C1C}">
+                <a14:useLocalDpi xmlns:a14="http://schemas.microsoft.com/office/drawing/2010/main" val="0"/>
+              </a:ext>
+            </a:extLst>
+          </a:blip>
+          <a:stretch>
+            <a:fillRect/>
+          </a:stretch>
+        </p:blipFill>
+        <p:spPr>
+          <a:xfrm>
+            <a:off x="7640320" y="0"/>
+            <a:ext cx="4490720" cy="3368040"/>
+          </a:xfrm>
+          <a:prstGeom prst="rect">
+            <a:avLst/>
+          </a:prstGeom>
+        </p:spPr>
+      </p:pic>
+      <p:pic>
+        <p:nvPicPr>
+          <p:cNvPr id="7" name="그림 6"/>
+          <p:cNvPicPr>
+            <a:picLocks noChangeAspect="1"/>
+          </p:cNvPicPr>
+          <p:nvPr/>
+        </p:nvPicPr>
+        <p:blipFill>
+          <a:blip r:embed="rId5">
+            <a:extLst>
+              <a:ext uri="{28A0092B-C50C-407E-A947-70E740481C1C}">
+                <a14:useLocalDpi xmlns:a14="http://schemas.microsoft.com/office/drawing/2010/main" val="0"/>
+              </a:ext>
+            </a:extLst>
+          </a:blip>
+          <a:stretch>
+            <a:fillRect/>
+          </a:stretch>
+        </p:blipFill>
+        <p:spPr>
+          <a:xfrm>
+            <a:off x="3820160" y="3368040"/>
+            <a:ext cx="4490720" cy="3368040"/>
+          </a:xfrm>
+          <a:prstGeom prst="rect">
+            <a:avLst/>
+          </a:prstGeom>
+        </p:spPr>
+      </p:pic>
+      <p:pic>
+        <p:nvPicPr>
+          <p:cNvPr id="8" name="그림 7"/>
+          <p:cNvPicPr>
+            <a:picLocks noChangeAspect="1"/>
+          </p:cNvPicPr>
+          <p:nvPr/>
+        </p:nvPicPr>
+        <p:blipFill>
+          <a:blip r:embed="rId6">
+            <a:extLst>
+              <a:ext uri="{28A0092B-C50C-407E-A947-70E740481C1C}">
+                <a14:useLocalDpi xmlns:a14="http://schemas.microsoft.com/office/drawing/2010/main" val="0"/>
+              </a:ext>
+            </a:extLst>
+          </a:blip>
+          <a:stretch>
+            <a:fillRect/>
+          </a:stretch>
+        </p:blipFill>
+        <p:spPr>
+          <a:xfrm>
+            <a:off x="0" y="3368040"/>
+            <a:ext cx="4490720" cy="3368040"/>
+          </a:xfrm>
+          <a:prstGeom prst="rect">
+            <a:avLst/>
+          </a:prstGeom>
+        </p:spPr>
+      </p:pic>
+      <p:pic>
+        <p:nvPicPr>
+          <p:cNvPr id="9" name="그림 8"/>
+          <p:cNvPicPr>
+            <a:picLocks noChangeAspect="1"/>
+          </p:cNvPicPr>
+          <p:nvPr/>
+        </p:nvPicPr>
+        <p:blipFill>
+          <a:blip r:embed="rId7">
+            <a:extLst>
+              <a:ext uri="{28A0092B-C50C-407E-A947-70E740481C1C}">
+                <a14:useLocalDpi xmlns:a14="http://schemas.microsoft.com/office/drawing/2010/main" val="0"/>
+              </a:ext>
+            </a:extLst>
+          </a:blip>
+          <a:stretch>
+            <a:fillRect/>
+          </a:stretch>
+        </p:blipFill>
+        <p:spPr>
+          <a:xfrm>
+            <a:off x="0" y="0"/>
+            <a:ext cx="4490720" cy="3368040"/>
+          </a:xfrm>
+          <a:prstGeom prst="rect">
+            <a:avLst/>
+          </a:prstGeom>
+        </p:spPr>
+      </p:pic>
+    </p:spTree>
+    <p:extLst>
+      <p:ext uri="{BB962C8B-B14F-4D97-AF65-F5344CB8AC3E}">
+        <p14:creationId xmlns:p14="http://schemas.microsoft.com/office/powerpoint/2010/main" val="32351588"/>
       </p:ext>
     </p:extLst>
   </p:cSld>
@@ -12468,8 +12691,8 @@
           </a:p>
         </p:txBody>
       </p:sp>
-      <mc:AlternateContent xmlns:mc="http://schemas.openxmlformats.org/markup-compatibility/2006">
-        <mc:Choice xmlns:a14="http://schemas.microsoft.com/office/drawing/2010/main" Requires="a14">
+      <mc:AlternateContent xmlns:mc="http://schemas.openxmlformats.org/markup-compatibility/2006" xmlns:a14="http://schemas.microsoft.com/office/drawing/2010/main">
+        <mc:Choice Requires="a14">
           <p:sp>
             <p:nvSpPr>
               <p:cNvPr id="28" name="TextBox 27"/>
@@ -12512,7 +12735,7 @@
             </p:txBody>
           </p:sp>
         </mc:Choice>
-        <mc:Fallback>
+        <mc:Fallback xmlns="">
           <p:sp>
             <p:nvSpPr>
               <p:cNvPr id="28" name="TextBox 27"/>
